--- a/Tentamenförberedelse_java_1.0.pptx
+++ b/Tentamenförberedelse_java_1.0.pptx
@@ -317,7 +317,7 @@
             <a:fld id="{AF53FA3B-A911-4294-9666-9D8A5388C07E}" type="datetimeFigureOut">
               <a:rPr lang="sv-SE" smtClean="0"/>
               <a:pPr/>
-              <a:t>2014-11-27</a:t>
+              <a:t>2014-12-03</a:t>
             </a:fld>
             <a:endParaRPr lang="sv-SE" dirty="0"/>
           </a:p>
@@ -484,7 +484,7 @@
             <a:fld id="{DAAF5E47-94AA-AA43-B08E-C5A5421011EB}" type="datetimeFigureOut">
               <a:rPr lang="sv-SE" smtClean="0"/>
               <a:pPr/>
-              <a:t>2014-11-27</a:t>
+              <a:t>2014-12-03</a:t>
             </a:fld>
             <a:endParaRPr lang="sv-SE" dirty="0"/>
           </a:p>
@@ -5872,25 +5872,8 @@
                 <a:ea typeface="+mn-ea"/>
                 <a:cs typeface="+mn-cs"/>
               </a:rPr>
-              <a:t>| Tentamenförberedelse | </a:t>
-            </a:r>
-            <a:r>
-              <a:rPr lang="sv-SE" sz="1000" b="0" dirty="0" smtClean="0">
-                <a:solidFill>
-                  <a:srgbClr val="808080"/>
-                </a:solidFill>
-                <a:ea typeface="+mn-ea"/>
-                <a:cs typeface="+mn-cs"/>
-              </a:rPr>
-              <a:t>Mjukvaruutveckling</a:t>
-            </a:r>
-            <a:endParaRPr lang="sv-SE" sz="1000" b="0" dirty="0" smtClean="0">
-              <a:solidFill>
-                <a:srgbClr val="808080"/>
-              </a:solidFill>
-              <a:ea typeface="+mn-ea"/>
-              <a:cs typeface="+mn-cs"/>
-            </a:endParaRPr>
+              <a:t>| Tentamenförberedelse | Mjukvaruutveckling</a:t>
+            </a:r>
           </a:p>
         </p:txBody>
       </p:sp>
@@ -9283,7 +9266,6 @@
               <a:rPr lang="sv-SE" dirty="0"/>
               <a:t> 2a</a:t>
             </a:r>
-            <a:endParaRPr lang="sv-SE" dirty="0"/>
           </a:p>
         </p:txBody>
       </p:sp>
@@ -10816,7 +10798,6 @@
               <a:rPr lang="sv-SE" dirty="0"/>
               <a:t> 2a</a:t>
             </a:r>
-            <a:endParaRPr lang="sv-SE" dirty="0"/>
           </a:p>
         </p:txBody>
       </p:sp>
@@ -13400,7 +13381,6 @@
               <a:rPr lang="sv-SE" dirty="0"/>
               <a:t> 2b</a:t>
             </a:r>
-            <a:endParaRPr lang="sv-SE" dirty="0"/>
           </a:p>
         </p:txBody>
       </p:sp>
@@ -32567,7 +32547,7 @@
         <p:spPr>
           <a:xfrm>
             <a:off x="964922" y="2477691"/>
-            <a:ext cx="7283450" cy="369332"/>
+            <a:ext cx="7283450" cy="1477328"/>
           </a:xfrm>
           <a:prstGeom prst="rect">
             <a:avLst/>
@@ -32580,7 +32560,63 @@
           <a:lstStyle/>
           <a:p>
             <a:r>
-              <a:rPr lang="sv-SE" dirty="0" err="1">
+              <a:rPr lang="sv-SE" dirty="0" smtClean="0">
+                <a:solidFill>
+                  <a:srgbClr val="000000"/>
+                </a:solidFill>
+                <a:latin typeface="Consolas" panose="020B0609020204030204" pitchFamily="49" charset="0"/>
+              </a:rPr>
+              <a:t>If(index == 100){</a:t>
+            </a:r>
+          </a:p>
+          <a:p>
+            <a:r>
+              <a:rPr lang="sv-SE" smtClean="0">
+                <a:solidFill>
+                  <a:srgbClr val="000000"/>
+                </a:solidFill>
+                <a:latin typeface="Consolas" panose="020B0609020204030204" pitchFamily="49" charset="0"/>
+              </a:rPr>
+              <a:t>	Index </a:t>
+            </a:r>
+            <a:r>
+              <a:rPr lang="sv-SE" dirty="0" smtClean="0">
+                <a:solidFill>
+                  <a:srgbClr val="000000"/>
+                </a:solidFill>
+                <a:latin typeface="Consolas" panose="020B0609020204030204" pitchFamily="49" charset="0"/>
+              </a:rPr>
+              <a:t>++;</a:t>
+            </a:r>
+          </a:p>
+          <a:p>
+            <a:r>
+              <a:rPr lang="sv-SE" dirty="0">
+                <a:solidFill>
+                  <a:srgbClr val="000000"/>
+                </a:solidFill>
+                <a:latin typeface="Consolas" panose="020B0609020204030204" pitchFamily="49" charset="0"/>
+              </a:rPr>
+              <a:t>}</a:t>
+            </a:r>
+            <a:endParaRPr lang="sv-SE" dirty="0" smtClean="0">
+              <a:solidFill>
+                <a:srgbClr val="000000"/>
+              </a:solidFill>
+              <a:latin typeface="Consolas" panose="020B0609020204030204" pitchFamily="49" charset="0"/>
+            </a:endParaRPr>
+          </a:p>
+          <a:p>
+            <a:endParaRPr lang="sv-SE" dirty="0">
+              <a:solidFill>
+                <a:srgbClr val="000000"/>
+              </a:solidFill>
+              <a:latin typeface="Consolas" panose="020B0609020204030204" pitchFamily="49" charset="0"/>
+            </a:endParaRPr>
+          </a:p>
+          <a:p>
+            <a:r>
+              <a:rPr lang="sv-SE" dirty="0" err="1" smtClean="0">
                 <a:solidFill>
                   <a:srgbClr val="000000"/>
                 </a:solidFill>
@@ -32589,7 +32625,7 @@
               <a:t>System.</a:t>
             </a:r>
             <a:r>
-              <a:rPr lang="sv-SE" i="1" dirty="0" err="1">
+              <a:rPr lang="sv-SE" i="1" dirty="0" err="1" smtClean="0">
                 <a:solidFill>
                   <a:srgbClr val="0000C0"/>
                 </a:solidFill>
@@ -32598,7 +32634,7 @@
               <a:t>out</a:t>
             </a:r>
             <a:r>
-              <a:rPr lang="sv-SE" i="1" dirty="0" err="1">
+              <a:rPr lang="sv-SE" i="1" dirty="0" err="1" smtClean="0">
                 <a:solidFill>
                   <a:srgbClr val="000000"/>
                 </a:solidFill>

--- a/Tentamenförberedelse_java_1.0.pptx
+++ b/Tentamenförberedelse_java_1.0.pptx
@@ -5,10 +5,10 @@
     <p:sldMasterId id="2147483648" r:id="rId1"/>
   </p:sldMasterIdLst>
   <p:notesMasterIdLst>
-    <p:notesMasterId r:id="rId34"/>
+    <p:notesMasterId r:id="rId37"/>
   </p:notesMasterIdLst>
   <p:handoutMasterIdLst>
-    <p:handoutMasterId r:id="rId35"/>
+    <p:handoutMasterId r:id="rId38"/>
   </p:handoutMasterIdLst>
   <p:sldIdLst>
     <p:sldId id="314" r:id="rId2"/>
@@ -43,6 +43,9 @@
     <p:sldId id="360" r:id="rId31"/>
     <p:sldId id="361" r:id="rId32"/>
     <p:sldId id="362" r:id="rId33"/>
+    <p:sldId id="363" r:id="rId34"/>
+    <p:sldId id="364" r:id="rId35"/>
+    <p:sldId id="366" r:id="rId36"/>
   </p:sldIdLst>
   <p:sldSz cx="9001125" cy="6840538"/>
   <p:notesSz cx="6794500" cy="9931400"/>
@@ -30699,6 +30702,960 @@
         <p:cTn id="1" dur="indefinite" restart="never" nodeType="tmRoot"/>
       </p:par>
     </p:tnLst>
+  </p:timing>
+</p:sld>
+</file>
+
+<file path=ppt/slides/slide33.xml><?xml version="1.0" encoding="utf-8"?>
+<p:sld xmlns:a="http://schemas.openxmlformats.org/drawingml/2006/main" xmlns:r="http://schemas.openxmlformats.org/officeDocument/2006/relationships" xmlns:p="http://schemas.openxmlformats.org/presentationml/2006/main">
+  <p:cSld>
+    <p:spTree>
+      <p:nvGrpSpPr>
+        <p:cNvPr id="1" name=""/>
+        <p:cNvGrpSpPr/>
+        <p:nvPr/>
+      </p:nvGrpSpPr>
+      <p:grpSpPr>
+        <a:xfrm>
+          <a:off x="0" y="0"/>
+          <a:ext cx="0" cy="0"/>
+          <a:chOff x="0" y="0"/>
+          <a:chExt cx="0" cy="0"/>
+        </a:xfrm>
+      </p:grpSpPr>
+      <p:sp>
+        <p:nvSpPr>
+          <p:cNvPr id="2" name="Rubrik 1"/>
+          <p:cNvSpPr>
+            <a:spLocks noGrp="1"/>
+          </p:cNvSpPr>
+          <p:nvPr>
+            <p:ph type="title"/>
+          </p:nvPr>
+        </p:nvSpPr>
+        <p:spPr/>
+        <p:txBody>
+          <a:bodyPr/>
+          <a:lstStyle/>
+          <a:p>
+            <a:r>
+              <a:rPr lang="sv-SE" dirty="0" smtClean="0"/>
+              <a:t>Vad fan gör programmet????1</a:t>
+            </a:r>
+            <a:endParaRPr lang="sv-SE" dirty="0"/>
+          </a:p>
+        </p:txBody>
+      </p:sp>
+      <p:pic>
+        <p:nvPicPr>
+          <p:cNvPr id="3" name="Picture 2"/>
+          <p:cNvPicPr>
+            <a:picLocks noChangeAspect="1"/>
+          </p:cNvPicPr>
+          <p:nvPr/>
+        </p:nvPicPr>
+        <p:blipFill>
+          <a:blip r:embed="rId2"/>
+          <a:stretch>
+            <a:fillRect/>
+          </a:stretch>
+        </p:blipFill>
+        <p:spPr>
+          <a:xfrm>
+            <a:off x="1535929" y="1880621"/>
+            <a:ext cx="5819775" cy="3095625"/>
+          </a:xfrm>
+          <a:prstGeom prst="rect">
+            <a:avLst/>
+          </a:prstGeom>
+        </p:spPr>
+      </p:pic>
+    </p:spTree>
+    <p:extLst>
+      <p:ext uri="{BB962C8B-B14F-4D97-AF65-F5344CB8AC3E}">
+        <p14:creationId xmlns:p14="http://schemas.microsoft.com/office/powerpoint/2010/main" val="4257798071"/>
+      </p:ext>
+    </p:extLst>
+  </p:cSld>
+  <p:clrMapOvr>
+    <a:masterClrMapping/>
+  </p:clrMapOvr>
+  <p:timing>
+    <p:tnLst>
+      <p:par>
+        <p:cTn id="1" dur="indefinite" restart="never" nodeType="tmRoot"/>
+      </p:par>
+    </p:tnLst>
+  </p:timing>
+</p:sld>
+</file>
+
+<file path=ppt/slides/slide34.xml><?xml version="1.0" encoding="utf-8"?>
+<p:sld xmlns:a="http://schemas.openxmlformats.org/drawingml/2006/main" xmlns:r="http://schemas.openxmlformats.org/officeDocument/2006/relationships" xmlns:p="http://schemas.openxmlformats.org/presentationml/2006/main">
+  <p:cSld>
+    <p:spTree>
+      <p:nvGrpSpPr>
+        <p:cNvPr id="1" name=""/>
+        <p:cNvGrpSpPr/>
+        <p:nvPr/>
+      </p:nvGrpSpPr>
+      <p:grpSpPr>
+        <a:xfrm>
+          <a:off x="0" y="0"/>
+          <a:ext cx="0" cy="0"/>
+          <a:chOff x="0" y="0"/>
+          <a:chExt cx="0" cy="0"/>
+        </a:xfrm>
+      </p:grpSpPr>
+      <p:sp>
+        <p:nvSpPr>
+          <p:cNvPr id="2" name="Rubrik 1"/>
+          <p:cNvSpPr>
+            <a:spLocks noGrp="1"/>
+          </p:cNvSpPr>
+          <p:nvPr>
+            <p:ph type="title"/>
+          </p:nvPr>
+        </p:nvSpPr>
+        <p:spPr/>
+        <p:txBody>
+          <a:bodyPr/>
+          <a:lstStyle/>
+          <a:p>
+            <a:r>
+              <a:rPr lang="sv-SE" dirty="0" smtClean="0"/>
+              <a:t>Vad fan gör programmet????1</a:t>
+            </a:r>
+            <a:endParaRPr lang="sv-SE" dirty="0"/>
+          </a:p>
+        </p:txBody>
+      </p:sp>
+      <p:sp>
+        <p:nvSpPr>
+          <p:cNvPr id="4" name="Rectangle 3"/>
+          <p:cNvSpPr/>
+          <p:nvPr/>
+        </p:nvSpPr>
+        <p:spPr>
+          <a:xfrm>
+            <a:off x="2563358" y="3685019"/>
+            <a:ext cx="4498975" cy="1477328"/>
+          </a:xfrm>
+          <a:prstGeom prst="rect">
+            <a:avLst/>
+          </a:prstGeom>
+        </p:spPr>
+        <p:txBody>
+          <a:bodyPr>
+            <a:spAutoFit/>
+          </a:bodyPr>
+          <a:lstStyle/>
+          <a:p>
+            <a:r>
+              <a:rPr lang="sv-SE" dirty="0"/>
+              <a:t>i= 0 ; (a[i])= 2</a:t>
+            </a:r>
+          </a:p>
+          <a:p>
+            <a:r>
+              <a:rPr lang="sv-SE" dirty="0"/>
+              <a:t>i= 1 ; (a[i])= 5</a:t>
+            </a:r>
+          </a:p>
+          <a:p>
+            <a:r>
+              <a:rPr lang="sv-SE" dirty="0"/>
+              <a:t>i= 2 ; (a[i])= 7</a:t>
+            </a:r>
+          </a:p>
+          <a:p>
+            <a:r>
+              <a:rPr lang="sv-SE" dirty="0"/>
+              <a:t>i= 3 ; (a[i])= 7</a:t>
+            </a:r>
+          </a:p>
+          <a:p>
+            <a:r>
+              <a:rPr lang="sv-SE" dirty="0"/>
+              <a:t>i= 4 ; (a[i])= 6</a:t>
+            </a:r>
+          </a:p>
+        </p:txBody>
+      </p:sp>
+      <p:pic>
+        <p:nvPicPr>
+          <p:cNvPr id="5" name="Picture 4"/>
+          <p:cNvPicPr>
+            <a:picLocks noChangeAspect="1"/>
+          </p:cNvPicPr>
+          <p:nvPr/>
+        </p:nvPicPr>
+        <p:blipFill>
+          <a:blip r:embed="rId2"/>
+          <a:stretch>
+            <a:fillRect/>
+          </a:stretch>
+        </p:blipFill>
+        <p:spPr>
+          <a:xfrm>
+            <a:off x="1992086" y="2278630"/>
+            <a:ext cx="4086225" cy="781050"/>
+          </a:xfrm>
+          <a:prstGeom prst="rect">
+            <a:avLst/>
+          </a:prstGeom>
+        </p:spPr>
+      </p:pic>
+    </p:spTree>
+    <p:extLst>
+      <p:ext uri="{BB962C8B-B14F-4D97-AF65-F5344CB8AC3E}">
+        <p14:creationId xmlns:p14="http://schemas.microsoft.com/office/powerpoint/2010/main" val="3127309290"/>
+      </p:ext>
+    </p:extLst>
+  </p:cSld>
+  <p:clrMapOvr>
+    <a:masterClrMapping/>
+  </p:clrMapOvr>
+  <p:timing>
+    <p:tnLst>
+      <p:par>
+        <p:cTn id="1" dur="indefinite" restart="never" nodeType="tmRoot">
+          <p:childTnLst>
+            <p:seq concurrent="1" nextAc="seek">
+              <p:cTn id="2" dur="indefinite" nodeType="mainSeq">
+                <p:childTnLst>
+                  <p:par>
+                    <p:cTn id="3" fill="hold">
+                      <p:stCondLst>
+                        <p:cond delay="indefinite"/>
+                      </p:stCondLst>
+                      <p:childTnLst>
+                        <p:par>
+                          <p:cTn id="4" fill="hold">
+                            <p:stCondLst>
+                              <p:cond delay="0"/>
+                            </p:stCondLst>
+                            <p:childTnLst>
+                              <p:par>
+                                <p:cTn id="5" presetID="1" presetClass="entr" presetSubtype="0" fill="hold" grpId="0" nodeType="clickEffect">
+                                  <p:stCondLst>
+                                    <p:cond delay="0"/>
+                                  </p:stCondLst>
+                                  <p:childTnLst>
+                                    <p:set>
+                                      <p:cBhvr>
+                                        <p:cTn id="6" dur="1" fill="hold">
+                                          <p:stCondLst>
+                                            <p:cond delay="0"/>
+                                          </p:stCondLst>
+                                        </p:cTn>
+                                        <p:tgtEl>
+                                          <p:spTgt spid="4"/>
+                                        </p:tgtEl>
+                                        <p:attrNameLst>
+                                          <p:attrName>style.visibility</p:attrName>
+                                        </p:attrNameLst>
+                                      </p:cBhvr>
+                                      <p:to>
+                                        <p:strVal val="visible"/>
+                                      </p:to>
+                                    </p:set>
+                                  </p:childTnLst>
+                                </p:cTn>
+                              </p:par>
+                            </p:childTnLst>
+                          </p:cTn>
+                        </p:par>
+                      </p:childTnLst>
+                    </p:cTn>
+                  </p:par>
+                </p:childTnLst>
+              </p:cTn>
+              <p:prevCondLst>
+                <p:cond evt="onPrev" delay="0">
+                  <p:tgtEl>
+                    <p:sldTgt/>
+                  </p:tgtEl>
+                </p:cond>
+              </p:prevCondLst>
+              <p:nextCondLst>
+                <p:cond evt="onNext" delay="0">
+                  <p:tgtEl>
+                    <p:sldTgt/>
+                  </p:tgtEl>
+                </p:cond>
+              </p:nextCondLst>
+            </p:seq>
+          </p:childTnLst>
+        </p:cTn>
+      </p:par>
+    </p:tnLst>
+    <p:bldLst>
+      <p:bldP spid="4" grpId="0"/>
+    </p:bldLst>
+  </p:timing>
+</p:sld>
+</file>
+
+<file path=ppt/slides/slide35.xml><?xml version="1.0" encoding="utf-8"?>
+<p:sld xmlns:a="http://schemas.openxmlformats.org/drawingml/2006/main" xmlns:r="http://schemas.openxmlformats.org/officeDocument/2006/relationships" xmlns:p="http://schemas.openxmlformats.org/presentationml/2006/main">
+  <p:cSld>
+    <p:spTree>
+      <p:nvGrpSpPr>
+        <p:cNvPr id="1" name=""/>
+        <p:cNvGrpSpPr/>
+        <p:nvPr/>
+      </p:nvGrpSpPr>
+      <p:grpSpPr>
+        <a:xfrm>
+          <a:off x="0" y="0"/>
+          <a:ext cx="0" cy="0"/>
+          <a:chOff x="0" y="0"/>
+          <a:chExt cx="0" cy="0"/>
+        </a:xfrm>
+      </p:grpSpPr>
+      <p:sp>
+        <p:nvSpPr>
+          <p:cNvPr id="2" name="Rubrik 1"/>
+          <p:cNvSpPr>
+            <a:spLocks noGrp="1"/>
+          </p:cNvSpPr>
+          <p:nvPr>
+            <p:ph type="title"/>
+          </p:nvPr>
+        </p:nvSpPr>
+        <p:spPr/>
+        <p:txBody>
+          <a:bodyPr/>
+          <a:lstStyle/>
+          <a:p>
+            <a:r>
+              <a:rPr lang="sv-SE" dirty="0" smtClean="0"/>
+              <a:t>Vad fan gör programmet????1</a:t>
+            </a:r>
+            <a:endParaRPr lang="sv-SE" dirty="0"/>
+          </a:p>
+        </p:txBody>
+      </p:sp>
+      <p:sp>
+        <p:nvSpPr>
+          <p:cNvPr id="4" name="Rectangle 3"/>
+          <p:cNvSpPr/>
+          <p:nvPr/>
+        </p:nvSpPr>
+        <p:spPr>
+          <a:xfrm>
+            <a:off x="643263" y="1916487"/>
+            <a:ext cx="4498975" cy="1477328"/>
+          </a:xfrm>
+          <a:prstGeom prst="rect">
+            <a:avLst/>
+          </a:prstGeom>
+        </p:spPr>
+        <p:txBody>
+          <a:bodyPr>
+            <a:spAutoFit/>
+          </a:bodyPr>
+          <a:lstStyle/>
+          <a:p>
+            <a:r>
+              <a:rPr lang="sv-SE" dirty="0"/>
+              <a:t>a[0]  = 2</a:t>
+            </a:r>
+          </a:p>
+          <a:p>
+            <a:r>
+              <a:rPr lang="sv-SE" dirty="0"/>
+              <a:t>a[1]  = 5</a:t>
+            </a:r>
+          </a:p>
+          <a:p>
+            <a:r>
+              <a:rPr lang="sv-SE" dirty="0"/>
+              <a:t>a[2]  = 7</a:t>
+            </a:r>
+          </a:p>
+          <a:p>
+            <a:r>
+              <a:rPr lang="sv-SE" dirty="0"/>
+              <a:t>a[3]  = 7</a:t>
+            </a:r>
+          </a:p>
+          <a:p>
+            <a:r>
+              <a:rPr lang="sv-SE" dirty="0"/>
+              <a:t>a[4]  = 6</a:t>
+            </a:r>
+          </a:p>
+        </p:txBody>
+      </p:sp>
+      <p:pic>
+        <p:nvPicPr>
+          <p:cNvPr id="3" name="Picture 2"/>
+          <p:cNvPicPr>
+            <a:picLocks noChangeAspect="1"/>
+          </p:cNvPicPr>
+          <p:nvPr/>
+        </p:nvPicPr>
+        <p:blipFill>
+          <a:blip r:embed="rId2"/>
+          <a:stretch>
+            <a:fillRect/>
+          </a:stretch>
+        </p:blipFill>
+        <p:spPr>
+          <a:xfrm>
+            <a:off x="4711473" y="3067995"/>
+            <a:ext cx="5910263" cy="926550"/>
+          </a:xfrm>
+          <a:prstGeom prst="rect">
+            <a:avLst/>
+          </a:prstGeom>
+        </p:spPr>
+      </p:pic>
+      <p:sp>
+        <p:nvSpPr>
+          <p:cNvPr id="5" name="Rectangle 4"/>
+          <p:cNvSpPr/>
+          <p:nvPr/>
+        </p:nvSpPr>
+        <p:spPr>
+          <a:xfrm>
+            <a:off x="1572971" y="1932164"/>
+            <a:ext cx="943330" cy="338554"/>
+          </a:xfrm>
+          <a:prstGeom prst="rect">
+            <a:avLst/>
+          </a:prstGeom>
+        </p:spPr>
+        <p:txBody>
+          <a:bodyPr wrap="square">
+            <a:spAutoFit/>
+          </a:bodyPr>
+          <a:lstStyle/>
+          <a:p>
+            <a:r>
+              <a:rPr lang="sv-SE" sz="1600" dirty="0" smtClean="0">
+                <a:solidFill>
+                  <a:srgbClr val="00B050"/>
+                </a:solidFill>
+              </a:rPr>
+              <a:t>12</a:t>
+            </a:r>
+            <a:endParaRPr lang="sv-SE" sz="1600" dirty="0">
+              <a:solidFill>
+                <a:srgbClr val="00B050"/>
+              </a:solidFill>
+            </a:endParaRPr>
+          </a:p>
+        </p:txBody>
+      </p:sp>
+      <p:pic>
+        <p:nvPicPr>
+          <p:cNvPr id="6" name="Picture 5"/>
+          <p:cNvPicPr>
+            <a:picLocks noChangeAspect="1"/>
+          </p:cNvPicPr>
+          <p:nvPr/>
+        </p:nvPicPr>
+        <p:blipFill>
+          <a:blip r:embed="rId3"/>
+          <a:stretch>
+            <a:fillRect/>
+          </a:stretch>
+        </p:blipFill>
+        <p:spPr>
+          <a:xfrm>
+            <a:off x="4711473" y="2559900"/>
+            <a:ext cx="2124222" cy="233431"/>
+          </a:xfrm>
+          <a:prstGeom prst="rect">
+            <a:avLst/>
+          </a:prstGeom>
+        </p:spPr>
+      </p:pic>
+      <p:pic>
+        <p:nvPicPr>
+          <p:cNvPr id="7" name="Picture 6"/>
+          <p:cNvPicPr>
+            <a:picLocks noChangeAspect="1"/>
+          </p:cNvPicPr>
+          <p:nvPr/>
+        </p:nvPicPr>
+        <p:blipFill>
+          <a:blip r:embed="rId4"/>
+          <a:stretch>
+            <a:fillRect/>
+          </a:stretch>
+        </p:blipFill>
+        <p:spPr>
+          <a:xfrm>
+            <a:off x="4807402" y="2285236"/>
+            <a:ext cx="1069237" cy="348909"/>
+          </a:xfrm>
+          <a:prstGeom prst="rect">
+            <a:avLst/>
+          </a:prstGeom>
+        </p:spPr>
+      </p:pic>
+      <p:sp>
+        <p:nvSpPr>
+          <p:cNvPr id="8" name="Rectangle 7"/>
+          <p:cNvSpPr/>
+          <p:nvPr/>
+        </p:nvSpPr>
+        <p:spPr>
+          <a:xfrm>
+            <a:off x="1595763" y="2221346"/>
+            <a:ext cx="943330" cy="338554"/>
+          </a:xfrm>
+          <a:prstGeom prst="rect">
+            <a:avLst/>
+          </a:prstGeom>
+        </p:spPr>
+        <p:txBody>
+          <a:bodyPr wrap="square">
+            <a:spAutoFit/>
+          </a:bodyPr>
+          <a:lstStyle/>
+          <a:p>
+            <a:r>
+              <a:rPr lang="sv-SE" sz="1600" dirty="0" smtClean="0">
+                <a:solidFill>
+                  <a:srgbClr val="00B050"/>
+                </a:solidFill>
+              </a:rPr>
+              <a:t>6</a:t>
+            </a:r>
+            <a:endParaRPr lang="sv-SE" sz="1600" dirty="0">
+              <a:solidFill>
+                <a:srgbClr val="00B050"/>
+              </a:solidFill>
+            </a:endParaRPr>
+          </a:p>
+        </p:txBody>
+      </p:sp>
+      <p:sp>
+        <p:nvSpPr>
+          <p:cNvPr id="9" name="Rectangle 8"/>
+          <p:cNvSpPr/>
+          <p:nvPr/>
+        </p:nvSpPr>
+        <p:spPr>
+          <a:xfrm>
+            <a:off x="1595763" y="2485874"/>
+            <a:ext cx="943330" cy="338554"/>
+          </a:xfrm>
+          <a:prstGeom prst="rect">
+            <a:avLst/>
+          </a:prstGeom>
+        </p:spPr>
+        <p:txBody>
+          <a:bodyPr wrap="square">
+            <a:spAutoFit/>
+          </a:bodyPr>
+          <a:lstStyle/>
+          <a:p>
+            <a:r>
+              <a:rPr lang="sv-SE" sz="1600" dirty="0" smtClean="0">
+                <a:solidFill>
+                  <a:srgbClr val="00B050"/>
+                </a:solidFill>
+              </a:rPr>
+              <a:t>6</a:t>
+            </a:r>
+            <a:endParaRPr lang="sv-SE" sz="1600" dirty="0">
+              <a:solidFill>
+                <a:srgbClr val="00B050"/>
+              </a:solidFill>
+            </a:endParaRPr>
+          </a:p>
+        </p:txBody>
+      </p:sp>
+      <p:sp>
+        <p:nvSpPr>
+          <p:cNvPr id="10" name="Rectangle 9"/>
+          <p:cNvSpPr/>
+          <p:nvPr/>
+        </p:nvSpPr>
+        <p:spPr>
+          <a:xfrm>
+            <a:off x="1595763" y="2790492"/>
+            <a:ext cx="943330" cy="338554"/>
+          </a:xfrm>
+          <a:prstGeom prst="rect">
+            <a:avLst/>
+          </a:prstGeom>
+        </p:spPr>
+        <p:txBody>
+          <a:bodyPr wrap="square">
+            <a:spAutoFit/>
+          </a:bodyPr>
+          <a:lstStyle/>
+          <a:p>
+            <a:r>
+              <a:rPr lang="sv-SE" sz="1600" dirty="0" smtClean="0">
+                <a:solidFill>
+                  <a:srgbClr val="00B050"/>
+                </a:solidFill>
+              </a:rPr>
+              <a:t>13</a:t>
+            </a:r>
+            <a:endParaRPr lang="sv-SE" sz="1600" dirty="0">
+              <a:solidFill>
+                <a:srgbClr val="00B050"/>
+              </a:solidFill>
+            </a:endParaRPr>
+          </a:p>
+        </p:txBody>
+      </p:sp>
+      <p:sp>
+        <p:nvSpPr>
+          <p:cNvPr id="11" name="TextBox 10"/>
+          <p:cNvSpPr txBox="1"/>
+          <p:nvPr/>
+        </p:nvSpPr>
+        <p:spPr>
+          <a:xfrm>
+            <a:off x="702129" y="4767943"/>
+            <a:ext cx="1722664" cy="276999"/>
+          </a:xfrm>
+          <a:prstGeom prst="rect">
+            <a:avLst/>
+          </a:prstGeom>
+          <a:noFill/>
+        </p:spPr>
+        <p:txBody>
+          <a:bodyPr wrap="square" rtlCol="0">
+            <a:spAutoFit/>
+          </a:bodyPr>
+          <a:lstStyle/>
+          <a:p>
+            <a:r>
+              <a:rPr lang="sv-SE" sz="1200" b="0" dirty="0" smtClean="0">
+                <a:solidFill>
+                  <a:schemeClr val="tx2"/>
+                </a:solidFill>
+              </a:rPr>
+              <a:t>[”Hipp”, ”Hipp"]</a:t>
+            </a:r>
+            <a:endParaRPr lang="sv-SE" sz="1200" b="0" dirty="0" smtClean="0">
+              <a:solidFill>
+                <a:schemeClr val="tx2"/>
+              </a:solidFill>
+            </a:endParaRPr>
+          </a:p>
+        </p:txBody>
+      </p:sp>
+      <p:sp>
+        <p:nvSpPr>
+          <p:cNvPr id="12" name="TextBox 11"/>
+          <p:cNvSpPr txBox="1"/>
+          <p:nvPr/>
+        </p:nvSpPr>
+        <p:spPr>
+          <a:xfrm>
+            <a:off x="4744130" y="5638944"/>
+            <a:ext cx="1722664" cy="461665"/>
+          </a:xfrm>
+          <a:prstGeom prst="rect">
+            <a:avLst/>
+          </a:prstGeom>
+          <a:noFill/>
+        </p:spPr>
+        <p:txBody>
+          <a:bodyPr wrap="square" rtlCol="0">
+            <a:spAutoFit/>
+          </a:bodyPr>
+          <a:lstStyle/>
+          <a:p>
+            <a:r>
+              <a:rPr lang="sv-SE" sz="1200" b="0" dirty="0" smtClean="0">
+                <a:solidFill>
+                  <a:schemeClr val="tx2"/>
+                </a:solidFill>
+              </a:rPr>
+              <a:t>SEN SKRIVER DEN UT SAMMA SAK</a:t>
+            </a:r>
+            <a:endParaRPr lang="sv-SE" sz="1200" b="0" dirty="0" smtClean="0">
+              <a:solidFill>
+                <a:schemeClr val="tx2"/>
+              </a:solidFill>
+            </a:endParaRPr>
+          </a:p>
+        </p:txBody>
+      </p:sp>
+    </p:spTree>
+    <p:extLst>
+      <p:ext uri="{BB962C8B-B14F-4D97-AF65-F5344CB8AC3E}">
+        <p14:creationId xmlns:p14="http://schemas.microsoft.com/office/powerpoint/2010/main" val="1045171655"/>
+      </p:ext>
+    </p:extLst>
+  </p:cSld>
+  <p:clrMapOvr>
+    <a:masterClrMapping/>
+  </p:clrMapOvr>
+  <p:timing>
+    <p:tnLst>
+      <p:par>
+        <p:cTn id="1" dur="indefinite" restart="never" nodeType="tmRoot">
+          <p:childTnLst>
+            <p:seq concurrent="1" nextAc="seek">
+              <p:cTn id="2" dur="indefinite" nodeType="mainSeq">
+                <p:childTnLst>
+                  <p:par>
+                    <p:cTn id="3" fill="hold">
+                      <p:stCondLst>
+                        <p:cond delay="indefinite"/>
+                      </p:stCondLst>
+                      <p:childTnLst>
+                        <p:par>
+                          <p:cTn id="4" fill="hold">
+                            <p:stCondLst>
+                              <p:cond delay="0"/>
+                            </p:stCondLst>
+                            <p:childTnLst>
+                              <p:par>
+                                <p:cTn id="5" presetID="1" presetClass="entr" presetSubtype="0" fill="hold" grpId="0" nodeType="clickEffect">
+                                  <p:stCondLst>
+                                    <p:cond delay="0"/>
+                                  </p:stCondLst>
+                                  <p:childTnLst>
+                                    <p:set>
+                                      <p:cBhvr>
+                                        <p:cTn id="6" dur="1" fill="hold">
+                                          <p:stCondLst>
+                                            <p:cond delay="0"/>
+                                          </p:stCondLst>
+                                        </p:cTn>
+                                        <p:tgtEl>
+                                          <p:spTgt spid="5"/>
+                                        </p:tgtEl>
+                                        <p:attrNameLst>
+                                          <p:attrName>style.visibility</p:attrName>
+                                        </p:attrNameLst>
+                                      </p:cBhvr>
+                                      <p:to>
+                                        <p:strVal val="visible"/>
+                                      </p:to>
+                                    </p:set>
+                                  </p:childTnLst>
+                                </p:cTn>
+                              </p:par>
+                            </p:childTnLst>
+                          </p:cTn>
+                        </p:par>
+                      </p:childTnLst>
+                    </p:cTn>
+                  </p:par>
+                  <p:par>
+                    <p:cTn id="7" fill="hold">
+                      <p:stCondLst>
+                        <p:cond delay="indefinite"/>
+                      </p:stCondLst>
+                      <p:childTnLst>
+                        <p:par>
+                          <p:cTn id="8" fill="hold">
+                            <p:stCondLst>
+                              <p:cond delay="0"/>
+                            </p:stCondLst>
+                            <p:childTnLst>
+                              <p:par>
+                                <p:cTn id="9" presetID="1" presetClass="entr" presetSubtype="0" fill="hold" grpId="0" nodeType="clickEffect">
+                                  <p:stCondLst>
+                                    <p:cond delay="0"/>
+                                  </p:stCondLst>
+                                  <p:childTnLst>
+                                    <p:set>
+                                      <p:cBhvr>
+                                        <p:cTn id="10" dur="1" fill="hold">
+                                          <p:stCondLst>
+                                            <p:cond delay="0"/>
+                                          </p:stCondLst>
+                                        </p:cTn>
+                                        <p:tgtEl>
+                                          <p:spTgt spid="8"/>
+                                        </p:tgtEl>
+                                        <p:attrNameLst>
+                                          <p:attrName>style.visibility</p:attrName>
+                                        </p:attrNameLst>
+                                      </p:cBhvr>
+                                      <p:to>
+                                        <p:strVal val="visible"/>
+                                      </p:to>
+                                    </p:set>
+                                  </p:childTnLst>
+                                </p:cTn>
+                              </p:par>
+                            </p:childTnLst>
+                          </p:cTn>
+                        </p:par>
+                      </p:childTnLst>
+                    </p:cTn>
+                  </p:par>
+                  <p:par>
+                    <p:cTn id="11" fill="hold">
+                      <p:stCondLst>
+                        <p:cond delay="indefinite"/>
+                      </p:stCondLst>
+                      <p:childTnLst>
+                        <p:par>
+                          <p:cTn id="12" fill="hold">
+                            <p:stCondLst>
+                              <p:cond delay="0"/>
+                            </p:stCondLst>
+                            <p:childTnLst>
+                              <p:par>
+                                <p:cTn id="13" presetID="1" presetClass="entr" presetSubtype="0" fill="hold" grpId="0" nodeType="clickEffect">
+                                  <p:stCondLst>
+                                    <p:cond delay="0"/>
+                                  </p:stCondLst>
+                                  <p:childTnLst>
+                                    <p:set>
+                                      <p:cBhvr>
+                                        <p:cTn id="14" dur="1" fill="hold">
+                                          <p:stCondLst>
+                                            <p:cond delay="0"/>
+                                          </p:stCondLst>
+                                        </p:cTn>
+                                        <p:tgtEl>
+                                          <p:spTgt spid="9"/>
+                                        </p:tgtEl>
+                                        <p:attrNameLst>
+                                          <p:attrName>style.visibility</p:attrName>
+                                        </p:attrNameLst>
+                                      </p:cBhvr>
+                                      <p:to>
+                                        <p:strVal val="visible"/>
+                                      </p:to>
+                                    </p:set>
+                                  </p:childTnLst>
+                                </p:cTn>
+                              </p:par>
+                            </p:childTnLst>
+                          </p:cTn>
+                        </p:par>
+                      </p:childTnLst>
+                    </p:cTn>
+                  </p:par>
+                  <p:par>
+                    <p:cTn id="15" fill="hold">
+                      <p:stCondLst>
+                        <p:cond delay="indefinite"/>
+                      </p:stCondLst>
+                      <p:childTnLst>
+                        <p:par>
+                          <p:cTn id="16" fill="hold">
+                            <p:stCondLst>
+                              <p:cond delay="0"/>
+                            </p:stCondLst>
+                            <p:childTnLst>
+                              <p:par>
+                                <p:cTn id="17" presetID="1" presetClass="entr" presetSubtype="0" fill="hold" grpId="0" nodeType="clickEffect">
+                                  <p:stCondLst>
+                                    <p:cond delay="0"/>
+                                  </p:stCondLst>
+                                  <p:childTnLst>
+                                    <p:set>
+                                      <p:cBhvr>
+                                        <p:cTn id="18" dur="1" fill="hold">
+                                          <p:stCondLst>
+                                            <p:cond delay="0"/>
+                                          </p:stCondLst>
+                                        </p:cTn>
+                                        <p:tgtEl>
+                                          <p:spTgt spid="10"/>
+                                        </p:tgtEl>
+                                        <p:attrNameLst>
+                                          <p:attrName>style.visibility</p:attrName>
+                                        </p:attrNameLst>
+                                      </p:cBhvr>
+                                      <p:to>
+                                        <p:strVal val="visible"/>
+                                      </p:to>
+                                    </p:set>
+                                  </p:childTnLst>
+                                </p:cTn>
+                              </p:par>
+                            </p:childTnLst>
+                          </p:cTn>
+                        </p:par>
+                      </p:childTnLst>
+                    </p:cTn>
+                  </p:par>
+                  <p:par>
+                    <p:cTn id="19" fill="hold">
+                      <p:stCondLst>
+                        <p:cond delay="indefinite"/>
+                      </p:stCondLst>
+                      <p:childTnLst>
+                        <p:par>
+                          <p:cTn id="20" fill="hold">
+                            <p:stCondLst>
+                              <p:cond delay="0"/>
+                            </p:stCondLst>
+                            <p:childTnLst>
+                              <p:par>
+                                <p:cTn id="21" presetID="1" presetClass="entr" presetSubtype="0" fill="hold" grpId="0" nodeType="clickEffect">
+                                  <p:stCondLst>
+                                    <p:cond delay="0"/>
+                                  </p:stCondLst>
+                                  <p:childTnLst>
+                                    <p:set>
+                                      <p:cBhvr>
+                                        <p:cTn id="22" dur="1" fill="hold">
+                                          <p:stCondLst>
+                                            <p:cond delay="0"/>
+                                          </p:stCondLst>
+                                        </p:cTn>
+                                        <p:tgtEl>
+                                          <p:spTgt spid="12"/>
+                                        </p:tgtEl>
+                                        <p:attrNameLst>
+                                          <p:attrName>style.visibility</p:attrName>
+                                        </p:attrNameLst>
+                                      </p:cBhvr>
+                                      <p:to>
+                                        <p:strVal val="visible"/>
+                                      </p:to>
+                                    </p:set>
+                                  </p:childTnLst>
+                                </p:cTn>
+                              </p:par>
+                            </p:childTnLst>
+                          </p:cTn>
+                        </p:par>
+                      </p:childTnLst>
+                    </p:cTn>
+                  </p:par>
+                </p:childTnLst>
+              </p:cTn>
+              <p:prevCondLst>
+                <p:cond evt="onPrev" delay="0">
+                  <p:tgtEl>
+                    <p:sldTgt/>
+                  </p:tgtEl>
+                </p:cond>
+              </p:prevCondLst>
+              <p:nextCondLst>
+                <p:cond evt="onNext" delay="0">
+                  <p:tgtEl>
+                    <p:sldTgt/>
+                  </p:tgtEl>
+                </p:cond>
+              </p:nextCondLst>
+            </p:seq>
+          </p:childTnLst>
+        </p:cTn>
+      </p:par>
+    </p:tnLst>
+    <p:bldLst>
+      <p:bldP spid="5" grpId="0"/>
+      <p:bldP spid="8" grpId="0"/>
+      <p:bldP spid="9" grpId="0"/>
+      <p:bldP spid="10" grpId="0"/>
+      <p:bldP spid="12" grpId="0"/>
+    </p:bldLst>
   </p:timing>
 </p:sld>
 </file>
